--- a/Ref_Purnima/PPT PRESENTTION 2.pptx
+++ b/Ref_Purnima/PPT PRESENTTION 2.pptx
@@ -314,7 +314,7 @@
             <a:fld id="{E8C90C62-46EF-492C-AAA0-E161125D690F}" type="datetimeFigureOut">
               <a:rPr lang="en-US" smtClean="0"/>
               <a:pPr/>
-              <a:t>2019-03-17</a:t>
+              <a:t>3/18/2019</a:t>
             </a:fld>
             <a:endParaRPr lang="en-US"/>
           </a:p>
@@ -481,7 +481,7 @@
             <a:fld id="{E8C90C62-46EF-492C-AAA0-E161125D690F}" type="datetimeFigureOut">
               <a:rPr lang="en-US" smtClean="0"/>
               <a:pPr/>
-              <a:t>2019-03-17</a:t>
+              <a:t>3/18/2019</a:t>
             </a:fld>
             <a:endParaRPr lang="en-US"/>
           </a:p>
@@ -658,7 +658,7 @@
             <a:fld id="{E8C90C62-46EF-492C-AAA0-E161125D690F}" type="datetimeFigureOut">
               <a:rPr lang="en-US" smtClean="0"/>
               <a:pPr/>
-              <a:t>2019-03-17</a:t>
+              <a:t>3/18/2019</a:t>
             </a:fld>
             <a:endParaRPr lang="en-US"/>
           </a:p>
@@ -825,7 +825,7 @@
             <a:fld id="{E8C90C62-46EF-492C-AAA0-E161125D690F}" type="datetimeFigureOut">
               <a:rPr lang="en-US" smtClean="0"/>
               <a:pPr/>
-              <a:t>2019-03-17</a:t>
+              <a:t>3/18/2019</a:t>
             </a:fld>
             <a:endParaRPr lang="en-US"/>
           </a:p>
@@ -1068,7 +1068,7 @@
             <a:fld id="{E8C90C62-46EF-492C-AAA0-E161125D690F}" type="datetimeFigureOut">
               <a:rPr lang="en-US" smtClean="0"/>
               <a:pPr/>
-              <a:t>2019-03-17</a:t>
+              <a:t>3/18/2019</a:t>
             </a:fld>
             <a:endParaRPr lang="en-US"/>
           </a:p>
@@ -1353,7 +1353,7 @@
             <a:fld id="{E8C90C62-46EF-492C-AAA0-E161125D690F}" type="datetimeFigureOut">
               <a:rPr lang="en-US" smtClean="0"/>
               <a:pPr/>
-              <a:t>2019-03-17</a:t>
+              <a:t>3/18/2019</a:t>
             </a:fld>
             <a:endParaRPr lang="en-US"/>
           </a:p>
@@ -1772,7 +1772,7 @@
             <a:fld id="{E8C90C62-46EF-492C-AAA0-E161125D690F}" type="datetimeFigureOut">
               <a:rPr lang="en-US" smtClean="0"/>
               <a:pPr/>
-              <a:t>2019-03-17</a:t>
+              <a:t>3/18/2019</a:t>
             </a:fld>
             <a:endParaRPr lang="en-US"/>
           </a:p>
@@ -1887,7 +1887,7 @@
             <a:fld id="{E8C90C62-46EF-492C-AAA0-E161125D690F}" type="datetimeFigureOut">
               <a:rPr lang="en-US" smtClean="0"/>
               <a:pPr/>
-              <a:t>2019-03-17</a:t>
+              <a:t>3/18/2019</a:t>
             </a:fld>
             <a:endParaRPr lang="en-US"/>
           </a:p>
@@ -1979,7 +1979,7 @@
             <a:fld id="{E8C90C62-46EF-492C-AAA0-E161125D690F}" type="datetimeFigureOut">
               <a:rPr lang="en-US" smtClean="0"/>
               <a:pPr/>
-              <a:t>2019-03-17</a:t>
+              <a:t>3/18/2019</a:t>
             </a:fld>
             <a:endParaRPr lang="en-US"/>
           </a:p>
@@ -2253,7 +2253,7 @@
             <a:fld id="{E8C90C62-46EF-492C-AAA0-E161125D690F}" type="datetimeFigureOut">
               <a:rPr lang="en-US" smtClean="0"/>
               <a:pPr/>
-              <a:t>2019-03-17</a:t>
+              <a:t>3/18/2019</a:t>
             </a:fld>
             <a:endParaRPr lang="en-US"/>
           </a:p>
@@ -2503,7 +2503,7 @@
             <a:fld id="{E8C90C62-46EF-492C-AAA0-E161125D690F}" type="datetimeFigureOut">
               <a:rPr lang="en-US" smtClean="0"/>
               <a:pPr/>
-              <a:t>2019-03-17</a:t>
+              <a:t>3/18/2019</a:t>
             </a:fld>
             <a:endParaRPr lang="en-US"/>
           </a:p>
@@ -2713,7 +2713,7 @@
             <a:fld id="{E8C90C62-46EF-492C-AAA0-E161125D690F}" type="datetimeFigureOut">
               <a:rPr lang="en-US" smtClean="0"/>
               <a:pPr/>
-              <a:t>2019-03-17</a:t>
+              <a:t>3/18/2019</a:t>
             </a:fld>
             <a:endParaRPr lang="en-US"/>
           </a:p>
@@ -3149,7 +3149,7 @@
                 <a:latin typeface="Arial" pitchFamily="34" charset="0"/>
                 <a:cs typeface="Arial" pitchFamily="34" charset="0"/>
               </a:rPr>
-              <a:t>“OS SERVICES(</a:t>
+              <a:t>“SERVICES OF OS(</a:t>
             </a:r>
             <a:r>
               <a:rPr lang="en-US" sz="2800" dirty="0" err="1" smtClean="0">
@@ -3318,7 +3318,7 @@
                 <a:latin typeface="Arial" pitchFamily="34" charset="0"/>
                 <a:cs typeface="Arial" pitchFamily="34" charset="0"/>
               </a:rPr>
-              <a:t>Punyabrat</a:t>
+              <a:t>Punyabrata</a:t>
             </a:r>
             <a:r>
               <a:rPr lang="en-US" dirty="0" smtClean="0">
@@ -4615,7 +4615,7 @@
       </p:sp>
       <p:pic>
         <p:nvPicPr>
-          <p:cNvPr id="4" name="Content Placeholder 3" descr="Screenshot (119).png"/>
+          <p:cNvPr id="4" name="Content Placeholder 3"/>
           <p:cNvPicPr>
             <a:picLocks noGrp="1" noChangeAspect="1"/>
           </p:cNvPicPr>
@@ -4624,15 +4624,21 @@
           </p:nvPr>
         </p:nvPicPr>
         <p:blipFill>
-          <a:blip r:embed="rId2" cstate="print"/>
+          <a:blip r:embed="rId2">
+            <a:extLst>
+              <a:ext uri="{28A0092B-C50C-407E-A947-70E740481C1C}">
+                <a14:useLocalDpi xmlns:a14="http://schemas.microsoft.com/office/drawing/2010/main" val="0"/>
+              </a:ext>
+            </a:extLst>
+          </a:blip>
           <a:stretch>
             <a:fillRect/>
           </a:stretch>
         </p:blipFill>
         <p:spPr>
           <a:xfrm>
-            <a:off x="457200" y="1685732"/>
-            <a:ext cx="8229600" cy="4354899"/>
+            <a:off x="457200" y="1690567"/>
+            <a:ext cx="8229600" cy="4345228"/>
           </a:xfrm>
         </p:spPr>
       </p:pic>
